--- a/ApresentaçãoState.pptx
+++ b/ApresentaçãoState.pptx
@@ -296,7 +296,7 @@
           <a:p>
             <a:fld id="{838BEC26-FEAF-41DB-A63C-61BC5D57E7A9}" type="datetimeFigureOut">
               <a:rPr lang="en-US" smtClean="0"/>
-              <a:t>4/9/2017</a:t>
+              <a:t>4/10/2017</a:t>
             </a:fld>
             <a:endParaRPr lang="en-US"/>
           </a:p>
@@ -466,7 +466,7 @@
           <a:p>
             <a:fld id="{838BEC26-FEAF-41DB-A63C-61BC5D57E7A9}" type="datetimeFigureOut">
               <a:rPr lang="en-US" smtClean="0"/>
-              <a:t>4/9/2017</a:t>
+              <a:t>4/10/2017</a:t>
             </a:fld>
             <a:endParaRPr lang="en-US"/>
           </a:p>
@@ -646,7 +646,7 @@
           <a:p>
             <a:fld id="{838BEC26-FEAF-41DB-A63C-61BC5D57E7A9}" type="datetimeFigureOut">
               <a:rPr lang="en-US" smtClean="0"/>
-              <a:t>4/9/2017</a:t>
+              <a:t>4/10/2017</a:t>
             </a:fld>
             <a:endParaRPr lang="en-US"/>
           </a:p>
@@ -816,7 +816,7 @@
           <a:p>
             <a:fld id="{838BEC26-FEAF-41DB-A63C-61BC5D57E7A9}" type="datetimeFigureOut">
               <a:rPr lang="en-US" smtClean="0"/>
-              <a:t>4/9/2017</a:t>
+              <a:t>4/10/2017</a:t>
             </a:fld>
             <a:endParaRPr lang="en-US"/>
           </a:p>
@@ -1062,7 +1062,7 @@
           <a:p>
             <a:fld id="{838BEC26-FEAF-41DB-A63C-61BC5D57E7A9}" type="datetimeFigureOut">
               <a:rPr lang="en-US" smtClean="0"/>
-              <a:t>4/9/2017</a:t>
+              <a:t>4/10/2017</a:t>
             </a:fld>
             <a:endParaRPr lang="en-US"/>
           </a:p>
@@ -1350,7 +1350,7 @@
           <a:p>
             <a:fld id="{838BEC26-FEAF-41DB-A63C-61BC5D57E7A9}" type="datetimeFigureOut">
               <a:rPr lang="en-US" smtClean="0"/>
-              <a:t>4/9/2017</a:t>
+              <a:t>4/10/2017</a:t>
             </a:fld>
             <a:endParaRPr lang="en-US"/>
           </a:p>
@@ -1772,7 +1772,7 @@
           <a:p>
             <a:fld id="{838BEC26-FEAF-41DB-A63C-61BC5D57E7A9}" type="datetimeFigureOut">
               <a:rPr lang="en-US" smtClean="0"/>
-              <a:t>4/9/2017</a:t>
+              <a:t>4/10/2017</a:t>
             </a:fld>
             <a:endParaRPr lang="en-US"/>
           </a:p>
@@ -1890,7 +1890,7 @@
           <a:p>
             <a:fld id="{838BEC26-FEAF-41DB-A63C-61BC5D57E7A9}" type="datetimeFigureOut">
               <a:rPr lang="en-US" smtClean="0"/>
-              <a:t>4/9/2017</a:t>
+              <a:t>4/10/2017</a:t>
             </a:fld>
             <a:endParaRPr lang="en-US"/>
           </a:p>
@@ -1985,7 +1985,7 @@
           <a:p>
             <a:fld id="{838BEC26-FEAF-41DB-A63C-61BC5D57E7A9}" type="datetimeFigureOut">
               <a:rPr lang="en-US" smtClean="0"/>
-              <a:t>4/9/2017</a:t>
+              <a:t>4/10/2017</a:t>
             </a:fld>
             <a:endParaRPr lang="en-US"/>
           </a:p>
@@ -2262,7 +2262,7 @@
           <a:p>
             <a:fld id="{838BEC26-FEAF-41DB-A63C-61BC5D57E7A9}" type="datetimeFigureOut">
               <a:rPr lang="en-US" smtClean="0"/>
-              <a:t>4/9/2017</a:t>
+              <a:t>4/10/2017</a:t>
             </a:fld>
             <a:endParaRPr lang="en-US"/>
           </a:p>
@@ -2515,7 +2515,7 @@
           <a:p>
             <a:fld id="{838BEC26-FEAF-41DB-A63C-61BC5D57E7A9}" type="datetimeFigureOut">
               <a:rPr lang="en-US" smtClean="0"/>
-              <a:t>4/9/2017</a:t>
+              <a:t>4/10/2017</a:t>
             </a:fld>
             <a:endParaRPr lang="en-US"/>
           </a:p>
@@ -2728,7 +2728,7 @@
           <a:p>
             <a:fld id="{838BEC26-FEAF-41DB-A63C-61BC5D57E7A9}" type="datetimeFigureOut">
               <a:rPr lang="en-US" smtClean="0"/>
-              <a:t>4/9/2017</a:t>
+              <a:t>4/10/2017</a:t>
             </a:fld>
             <a:endParaRPr lang="en-US"/>
           </a:p>
@@ -3487,15 +3487,7 @@
             </a:r>
             <a:r>
               <a:rPr lang="it-IT" sz="2800" dirty="0" smtClean="0"/>
-              <a:t>Mario</a:t>
-            </a:r>
-            <a:r>
-              <a:rPr lang="it-IT" sz="2800" dirty="0" smtClean="0"/>
-              <a:t>Estado</a:t>
-            </a:r>
-            <a:r>
-              <a:rPr lang="it-IT" sz="2800" dirty="0" smtClean="0"/>
-              <a:t> </a:t>
+              <a:t>MarioEstado </a:t>
             </a:r>
             <a:r>
               <a:rPr lang="it-IT" sz="2800" dirty="0"/>
@@ -3515,15 +3507,7 @@
             </a:r>
             <a:r>
               <a:rPr lang="it-IT" sz="2800" dirty="0" smtClean="0"/>
-              <a:t>Mario</a:t>
-            </a:r>
-            <a:r>
-              <a:rPr lang="it-IT" sz="2800" dirty="0" smtClean="0"/>
-              <a:t>Estado</a:t>
-            </a:r>
-            <a:r>
-              <a:rPr lang="it-IT" sz="2800" dirty="0" smtClean="0"/>
-              <a:t> </a:t>
+              <a:t>MarioEstado </a:t>
             </a:r>
             <a:r>
               <a:rPr lang="it-IT" sz="2800" dirty="0"/>
@@ -3543,15 +3527,7 @@
             </a:r>
             <a:r>
               <a:rPr lang="it-IT" sz="2800" dirty="0" smtClean="0"/>
-              <a:t>Mario</a:t>
-            </a:r>
-            <a:r>
-              <a:rPr lang="it-IT" sz="2800" dirty="0" smtClean="0"/>
-              <a:t>Estado</a:t>
-            </a:r>
-            <a:r>
-              <a:rPr lang="it-IT" sz="2800" dirty="0" smtClean="0"/>
-              <a:t> </a:t>
+              <a:t>MarioEstado </a:t>
             </a:r>
             <a:r>
               <a:rPr lang="it-IT" sz="2800" dirty="0"/>
@@ -3571,15 +3547,7 @@
             </a:r>
             <a:r>
               <a:rPr lang="it-IT" sz="2800" dirty="0" smtClean="0"/>
-              <a:t>Mario</a:t>
-            </a:r>
-            <a:r>
-              <a:rPr lang="it-IT" sz="2800" dirty="0" smtClean="0"/>
-              <a:t>Estado </a:t>
-            </a:r>
-            <a:r>
-              <a:rPr lang="it-IT" sz="2800" dirty="0" smtClean="0"/>
-              <a:t>levarDano();</a:t>
+              <a:t>MarioEstado levarDano();</a:t>
             </a:r>
           </a:p>
           <a:p>
@@ -3734,11 +3702,7 @@
             </a:r>
             <a:r>
               <a:rPr lang="en-US" sz="2000" dirty="0" err="1" smtClean="0"/>
-              <a:t>Mario</a:t>
-            </a:r>
-            <a:r>
-              <a:rPr lang="en-US" sz="2000" dirty="0" err="1" smtClean="0"/>
-              <a:t>Estado</a:t>
+              <a:t>MarioEstado</a:t>
             </a:r>
             <a:r>
               <a:rPr lang="en-US" sz="2000" dirty="0" smtClean="0"/>
@@ -3820,11 +3784,7 @@
             </a:r>
             <a:r>
               <a:rPr lang="en-US" sz="2000" dirty="0" err="1" smtClean="0"/>
-              <a:t>Mario</a:t>
-            </a:r>
-            <a:r>
-              <a:rPr lang="en-US" sz="2000" dirty="0" err="1" smtClean="0"/>
-              <a:t>Estado</a:t>
+              <a:t>MarioEstado</a:t>
             </a:r>
             <a:r>
               <a:rPr lang="en-US" sz="2000" dirty="0" smtClean="0"/>
@@ -4733,11 +4693,7 @@
           <a:p>
             <a:r>
               <a:rPr lang="en-US" sz="1800" dirty="0" smtClean="0"/>
-              <a:t>https://brizeno.wordpress.com/category/padroes-de-projeto/state/</a:t>
-            </a:r>
-            <a:r>
-              <a:rPr lang="en-US" sz="1800" dirty="0" smtClean="0"/>
-              <a:t>(9/4/17 as 9:30 </a:t>
+              <a:t>https://brizeno.wordpress.com/category/padroes-de-projeto/state/(9/4/17 as 9:30 </a:t>
             </a:r>
             <a:r>
               <a:rPr lang="en-US" sz="1800" dirty="0" err="1" smtClean="0"/>
@@ -4747,6 +4703,37 @@
               <a:rPr lang="en-US" sz="1800" dirty="0" smtClean="0"/>
               <a:t>)</a:t>
             </a:r>
+          </a:p>
+          <a:p>
+            <a:r>
+              <a:rPr lang="en-US" sz="1800" dirty="0"/>
+              <a:t>https://</a:t>
+            </a:r>
+            <a:r>
+              <a:rPr lang="en-US" sz="1800" smtClean="0"/>
+              <a:t>pt.wikipedia.org/wiki/State /  (</a:t>
+            </a:r>
+            <a:r>
+              <a:rPr lang="en-US" sz="1800" dirty="0"/>
+              <a:t>9/4/17 </a:t>
+            </a:r>
+            <a:r>
+              <a:rPr lang="en-US" sz="1800"/>
+              <a:t>as </a:t>
+            </a:r>
+            <a:r>
+              <a:rPr lang="en-US" sz="1800" smtClean="0"/>
+              <a:t>9:45 </a:t>
+            </a:r>
+            <a:r>
+              <a:rPr lang="en-US" sz="1800" dirty="0" err="1"/>
+              <a:t>horas</a:t>
+            </a:r>
+            <a:r>
+              <a:rPr lang="en-US" sz="1800" dirty="0"/>
+              <a:t>)</a:t>
+            </a:r>
+            <a:endParaRPr lang="en-US" sz="1800" dirty="0" smtClean="0"/>
           </a:p>
           <a:p>
             <a:pPr marL="0" indent="0">
